--- a/Movie_rec_AIML.pptx
+++ b/Movie_rec_AIML.pptx
@@ -325,7 +325,7 @@
             <a:fld id="{1D5BB0C6-8FC1-47C0-B737-D54E21B5B868}" type="datetimeFigureOut">
               <a:rPr lang="en-US" smtClean="0"/>
               <a:pPr/>
-              <a:t>5/13/2024</a:t>
+              <a:t>5/14/2024</a:t>
             </a:fld>
             <a:endParaRPr lang="en-US"/>
           </a:p>
@@ -742,7 +742,7 @@
             <a:fld id="{1D5BB0C6-8FC1-47C0-B737-D54E21B5B868}" type="datetimeFigureOut">
               <a:rPr lang="en-US" smtClean="0"/>
               <a:pPr/>
-              <a:t>5/13/2024</a:t>
+              <a:t>5/14/2024</a:t>
             </a:fld>
             <a:endParaRPr lang="en-US"/>
           </a:p>
@@ -845,7 +845,7 @@
             <a:fld id="{1D5BB0C6-8FC1-47C0-B737-D54E21B5B868}" type="datetimeFigureOut">
               <a:rPr lang="en-US" smtClean="0"/>
               <a:pPr/>
-              <a:t>5/13/2024</a:t>
+              <a:t>5/14/2024</a:t>
             </a:fld>
             <a:endParaRPr lang="en-US"/>
           </a:p>
@@ -1082,7 +1082,7 @@
             <a:fld id="{1D5BB0C6-8FC1-47C0-B737-D54E21B5B868}" type="datetimeFigureOut">
               <a:rPr lang="en-US" smtClean="0"/>
               <a:pPr/>
-              <a:t>5/13/2024</a:t>
+              <a:t>5/14/2024</a:t>
             </a:fld>
             <a:endParaRPr lang="en-US"/>
           </a:p>
@@ -2533,7 +2533,7 @@
           <a:lstStyle/>
           <a:p>
             <a:r>
-              <a:rPr lang="en-US" sz="3200" b="1" dirty="0">
+              <a:rPr lang="en-US" sz="3200" dirty="0">
                 <a:latin typeface="Times New Roman" pitchFamily="18" charset="0"/>
                 <a:cs typeface="Times New Roman" pitchFamily="18" charset="0"/>
               </a:rPr>
@@ -6968,6 +6968,36 @@
           <a:chExt cx="0" cy="0"/>
         </a:xfrm>
       </p:grpSpPr>
+      <p:pic>
+        <p:nvPicPr>
+          <p:cNvPr id="4" name="Picture 3">
+            <a:extLst>
+              <a:ext uri="{FF2B5EF4-FFF2-40B4-BE49-F238E27FC236}">
+                <a16:creationId xmlns:a16="http://schemas.microsoft.com/office/drawing/2014/main" id="{3CE61A34-F25E-3CDD-7E5D-7927643A115D}"/>
+              </a:ext>
+            </a:extLst>
+          </p:cNvPr>
+          <p:cNvPicPr>
+            <a:picLocks noChangeAspect="1"/>
+          </p:cNvPicPr>
+          <p:nvPr/>
+        </p:nvPicPr>
+        <p:blipFill>
+          <a:blip r:embed="rId2"/>
+          <a:stretch>
+            <a:fillRect/>
+          </a:stretch>
+        </p:blipFill>
+        <p:spPr>
+          <a:xfrm>
+            <a:off x="1177669" y="1268760"/>
+            <a:ext cx="6696745" cy="5097599"/>
+          </a:xfrm>
+          <a:prstGeom prst="rect">
+            <a:avLst/>
+          </a:prstGeom>
+        </p:spPr>
+      </p:pic>
       <p:sp>
         <p:nvSpPr>
           <p:cNvPr id="2" name="TextBox 1"/>
@@ -7000,42 +7030,6 @@
           </a:p>
         </p:txBody>
       </p:sp>
-      <p:pic>
-        <p:nvPicPr>
-          <p:cNvPr id="5" name="Picture 4">
-            <a:extLst>
-              <a:ext uri="{FF2B5EF4-FFF2-40B4-BE49-F238E27FC236}">
-                <a16:creationId xmlns:a16="http://schemas.microsoft.com/office/drawing/2014/main" id="{BE1CED9D-8B06-7CAE-8A99-7534E2689777}"/>
-              </a:ext>
-            </a:extLst>
-          </p:cNvPr>
-          <p:cNvPicPr>
-            <a:picLocks noChangeAspect="1"/>
-          </p:cNvPicPr>
-          <p:nvPr/>
-        </p:nvPicPr>
-        <p:blipFill>
-          <a:blip r:embed="rId2">
-            <a:extLst>
-              <a:ext uri="{28A0092B-C50C-407E-A947-70E740481C1C}">
-                <a14:useLocalDpi xmlns:a14="http://schemas.microsoft.com/office/drawing/2010/main" val="0"/>
-              </a:ext>
-            </a:extLst>
-          </a:blip>
-          <a:stretch>
-            <a:fillRect/>
-          </a:stretch>
-        </p:blipFill>
-        <p:spPr>
-          <a:xfrm>
-            <a:off x="1259632" y="1556792"/>
-            <a:ext cx="6336704" cy="4134343"/>
-          </a:xfrm>
-          <a:prstGeom prst="rect">
-            <a:avLst/>
-          </a:prstGeom>
-        </p:spPr>
-      </p:pic>
       <p:cxnSp>
         <p:nvCxnSpPr>
           <p:cNvPr id="9" name="Straight Arrow Connector 8">
@@ -7052,8 +7046,8 @@
         </p:nvCxnSpPr>
         <p:spPr>
           <a:xfrm flipH="1" flipV="1">
-            <a:off x="5868144" y="1587546"/>
-            <a:ext cx="1944216" cy="257278"/>
+            <a:off x="5930198" y="1374437"/>
+            <a:ext cx="1810154" cy="434383"/>
           </a:xfrm>
           <a:prstGeom prst="straightConnector1">
             <a:avLst/>
@@ -7091,7 +7085,7 @@
         </p:nvCxnSpPr>
         <p:spPr>
           <a:xfrm flipH="1">
-            <a:off x="683568" y="2348880"/>
+            <a:off x="683568" y="2060848"/>
             <a:ext cx="576064" cy="0"/>
           </a:xfrm>
           <a:prstGeom prst="line">
@@ -7127,7 +7121,7 @@
         </p:nvCxnSpPr>
         <p:spPr>
           <a:xfrm flipH="1">
-            <a:off x="760342" y="4653136"/>
+            <a:off x="760342" y="4941168"/>
             <a:ext cx="576064" cy="0"/>
           </a:xfrm>
           <a:prstGeom prst="line">
@@ -7163,7 +7157,7 @@
         </p:nvCxnSpPr>
         <p:spPr>
           <a:xfrm flipH="1">
-            <a:off x="760342" y="3140968"/>
+            <a:off x="760342" y="3068960"/>
             <a:ext cx="576064" cy="0"/>
           </a:xfrm>
           <a:prstGeom prst="line">
@@ -7201,8 +7195,8 @@
         </p:nvCxnSpPr>
         <p:spPr>
           <a:xfrm flipV="1">
-            <a:off x="683568" y="1843383"/>
-            <a:ext cx="0" cy="480293"/>
+            <a:off x="683568" y="1556792"/>
+            <a:ext cx="0" cy="504056"/>
           </a:xfrm>
           <a:prstGeom prst="straightConnector1">
             <a:avLst/>
@@ -7242,8 +7236,8 @@
         </p:nvCxnSpPr>
         <p:spPr>
           <a:xfrm>
-            <a:off x="775587" y="4653136"/>
-            <a:ext cx="0" cy="466027"/>
+            <a:off x="775587" y="4941168"/>
+            <a:ext cx="0" cy="504056"/>
           </a:xfrm>
           <a:prstGeom prst="straightConnector1">
             <a:avLst/>
@@ -7283,8 +7277,8 @@
         </p:nvCxnSpPr>
         <p:spPr>
           <a:xfrm>
-            <a:off x="775587" y="3140968"/>
-            <a:ext cx="0" cy="466027"/>
+            <a:off x="760342" y="3068960"/>
+            <a:ext cx="15245" cy="538035"/>
           </a:xfrm>
           <a:prstGeom prst="straightConnector1">
             <a:avLst/>
@@ -7370,7 +7364,7 @@
         </p:nvSpPr>
         <p:spPr>
           <a:xfrm>
-            <a:off x="50744" y="1183051"/>
+            <a:off x="50744" y="908720"/>
             <a:ext cx="1143744" cy="646331"/>
           </a:xfrm>
           <a:prstGeom prst="rect">
@@ -7466,7 +7460,7 @@
         </p:nvSpPr>
         <p:spPr>
           <a:xfrm>
-            <a:off x="35496" y="5119162"/>
+            <a:off x="25543" y="5424993"/>
             <a:ext cx="1152126" cy="646331"/>
           </a:xfrm>
           <a:prstGeom prst="rect">
@@ -7500,6 +7494,133 @@
           </a:p>
         </p:txBody>
       </p:sp>
+      <p:sp>
+        <p:nvSpPr>
+          <p:cNvPr id="12" name="TextBox 11">
+            <a:extLst>
+              <a:ext uri="{FF2B5EF4-FFF2-40B4-BE49-F238E27FC236}">
+                <a16:creationId xmlns:a16="http://schemas.microsoft.com/office/drawing/2014/main" id="{89CF8A61-47A8-CEA9-E8B1-C5CEBA7AF195}"/>
+              </a:ext>
+            </a:extLst>
+          </p:cNvPr>
+          <p:cNvSpPr txBox="1"/>
+          <p:nvPr/>
+        </p:nvSpPr>
+        <p:spPr>
+          <a:xfrm>
+            <a:off x="7812360" y="6023029"/>
+            <a:ext cx="1152126" cy="646331"/>
+          </a:xfrm>
+          <a:prstGeom prst="rect">
+            <a:avLst/>
+          </a:prstGeom>
+        </p:spPr>
+        <p:style>
+          <a:lnRef idx="2">
+            <a:schemeClr val="accent1"/>
+          </a:lnRef>
+          <a:fillRef idx="1">
+            <a:schemeClr val="lt1"/>
+          </a:fillRef>
+          <a:effectRef idx="0">
+            <a:schemeClr val="accent1"/>
+          </a:effectRef>
+          <a:fontRef idx="minor">
+            <a:schemeClr val="dk1"/>
+          </a:fontRef>
+        </p:style>
+        <p:txBody>
+          <a:bodyPr wrap="square" rtlCol="0">
+            <a:spAutoFit/>
+          </a:bodyPr>
+          <a:lstStyle/>
+          <a:p>
+            <a:r>
+              <a:rPr lang="en-US" sz="1200" dirty="0"/>
+              <a:t>Ratings of Recommended Movies</a:t>
+            </a:r>
+          </a:p>
+        </p:txBody>
+      </p:sp>
+      <p:cxnSp>
+        <p:nvCxnSpPr>
+          <p:cNvPr id="13" name="Straight Arrow Connector 12">
+            <a:extLst>
+              <a:ext uri="{FF2B5EF4-FFF2-40B4-BE49-F238E27FC236}">
+                <a16:creationId xmlns:a16="http://schemas.microsoft.com/office/drawing/2014/main" id="{867C1D0E-6AD7-830B-F78C-CDD4994AE62C}"/>
+              </a:ext>
+            </a:extLst>
+          </p:cNvPr>
+          <p:cNvCxnSpPr>
+            <a:cxnSpLocks/>
+          </p:cNvCxnSpPr>
+          <p:nvPr/>
+        </p:nvCxnSpPr>
+        <p:spPr>
+          <a:xfrm flipV="1">
+            <a:off x="1403648" y="6021288"/>
+            <a:ext cx="0" cy="504056"/>
+          </a:xfrm>
+          <a:prstGeom prst="straightConnector1">
+            <a:avLst/>
+          </a:prstGeom>
+          <a:ln>
+            <a:tailEnd type="triangle"/>
+          </a:ln>
+        </p:spPr>
+        <p:style>
+          <a:lnRef idx="1">
+            <a:schemeClr val="accent1"/>
+          </a:lnRef>
+          <a:fillRef idx="0">
+            <a:schemeClr val="accent1"/>
+          </a:fillRef>
+          <a:effectRef idx="0">
+            <a:schemeClr val="accent1"/>
+          </a:effectRef>
+          <a:fontRef idx="minor">
+            <a:schemeClr val="tx1"/>
+          </a:fontRef>
+        </p:style>
+      </p:cxnSp>
+      <p:cxnSp>
+        <p:nvCxnSpPr>
+          <p:cNvPr id="14" name="Straight Connector 13">
+            <a:extLst>
+              <a:ext uri="{FF2B5EF4-FFF2-40B4-BE49-F238E27FC236}">
+                <a16:creationId xmlns:a16="http://schemas.microsoft.com/office/drawing/2014/main" id="{8B5922E8-D684-B12A-52E8-9205E2E325FA}"/>
+              </a:ext>
+            </a:extLst>
+          </p:cNvPr>
+          <p:cNvCxnSpPr>
+            <a:cxnSpLocks/>
+          </p:cNvCxnSpPr>
+          <p:nvPr/>
+        </p:nvCxnSpPr>
+        <p:spPr>
+          <a:xfrm flipH="1">
+            <a:off x="1403648" y="6472036"/>
+            <a:ext cx="6408712" cy="53308"/>
+          </a:xfrm>
+          <a:prstGeom prst="line">
+            <a:avLst/>
+          </a:prstGeom>
+        </p:spPr>
+        <p:style>
+          <a:lnRef idx="1">
+            <a:schemeClr val="accent1"/>
+          </a:lnRef>
+          <a:fillRef idx="0">
+            <a:schemeClr val="accent1"/>
+          </a:fillRef>
+          <a:effectRef idx="0">
+            <a:schemeClr val="accent1"/>
+          </a:effectRef>
+          <a:fontRef idx="minor">
+            <a:schemeClr val="tx1"/>
+          </a:fontRef>
+        </p:style>
+      </p:cxnSp>
     </p:spTree>
   </p:cSld>
   <p:clrMapOvr>
